--- a/Final_APP.pptx
+++ b/Final_APP.pptx
@@ -26,32 +26,32 @@
   <p:notesSz cx="6858000" cy="9144000"/>
   <p:embeddedFontLst>
     <p:embeddedFont>
-      <p:font typeface="標楷體" panose="03000509000000000000" pitchFamily="65" charset="-120"/>
+      <p:font typeface="Merriweather Light" panose="00000400000000000000" pitchFamily="2" charset="0"/>
       <p:regular r:id="rId16"/>
-    </p:embeddedFont>
-    <p:embeddedFont>
-      <p:font typeface="Merriweather Light" panose="00000400000000000000" pitchFamily="2" charset="0"/>
-      <p:regular r:id="rId17"/>
-      <p:bold r:id="rId18"/>
-      <p:italic r:id="rId19"/>
-      <p:boldItalic r:id="rId20"/>
+      <p:bold r:id="rId17"/>
+      <p:italic r:id="rId18"/>
+      <p:boldItalic r:id="rId19"/>
     </p:embeddedFont>
     <p:embeddedFont>
       <p:font typeface="Montserrat" panose="00000500000000000000" pitchFamily="2" charset="0"/>
-      <p:regular r:id="rId21"/>
-      <p:bold r:id="rId22"/>
-      <p:italic r:id="rId23"/>
-      <p:boldItalic r:id="rId24"/>
+      <p:regular r:id="rId20"/>
+      <p:bold r:id="rId21"/>
+      <p:italic r:id="rId22"/>
+      <p:boldItalic r:id="rId23"/>
     </p:embeddedFont>
     <p:embeddedFont>
       <p:font typeface="Open Sans" panose="020B0606030504020204" pitchFamily="34" charset="0"/>
-      <p:regular r:id="rId25"/>
-      <p:bold r:id="rId26"/>
-      <p:italic r:id="rId27"/>
-      <p:boldItalic r:id="rId28"/>
+      <p:regular r:id="rId24"/>
+      <p:bold r:id="rId25"/>
+      <p:italic r:id="rId26"/>
+      <p:boldItalic r:id="rId27"/>
     </p:embeddedFont>
     <p:embeddedFont>
       <p:font typeface="Vidaloka" panose="02020500000000000000" charset="0"/>
+      <p:regular r:id="rId28"/>
+    </p:embeddedFont>
+    <p:embeddedFont>
+      <p:font typeface="標楷體" panose="03000509000000000000" pitchFamily="65" charset="-120"/>
       <p:regular r:id="rId29"/>
     </p:embeddedFont>
   </p:embeddedFontLst>
@@ -284,6 +284,11 @@
       </a:defRPr>
     </a:lvl9pPr>
   </p:defaultTextStyle>
+  <p:extLst>
+    <p:ext uri="{EFAFB233-063F-42B5-8137-9DF3F51BA10A}">
+      <p15:sldGuideLst xmlns:p15="http://schemas.microsoft.com/office/powerpoint/2012/main"/>
+    </p:ext>
+  </p:extLst>
 </p:presentation>
 </file>
 
@@ -10730,6 +10735,19 @@
               <a:t>編輯功能</a:t>
             </a:r>
             <a:br>
+              <a:rPr lang="en-US" altLang="zh-TW" dirty="0">
+                <a:latin typeface="標楷體" panose="03000509000000000000" pitchFamily="65" charset="-120"/>
+                <a:ea typeface="標楷體" panose="03000509000000000000" pitchFamily="65" charset="-120"/>
+              </a:rPr>
+            </a:br>
+            <a:r>
+              <a:rPr lang="zh-TW" altLang="en-US" dirty="0">
+                <a:latin typeface="標楷體" panose="03000509000000000000" pitchFamily="65" charset="-120"/>
+                <a:ea typeface="標楷體" panose="03000509000000000000" pitchFamily="65" charset="-120"/>
+              </a:rPr>
+              <a:t>已完成</a:t>
+            </a:r>
+            <a:br>
               <a:rPr lang="en-US" altLang="zh-TW" dirty="0"/>
             </a:br>
             <a:endParaRPr dirty="0"/>
@@ -10961,6 +10979,19 @@
               </a:rPr>
               <a:t>刪除功能的優化</a:t>
             </a:r>
+            <a:br>
+              <a:rPr lang="en-US" altLang="zh-TW" dirty="0">
+                <a:latin typeface="標楷體" panose="03000509000000000000" pitchFamily="65" charset="-120"/>
+                <a:ea typeface="標楷體" panose="03000509000000000000" pitchFamily="65" charset="-120"/>
+              </a:rPr>
+            </a:br>
+            <a:r>
+              <a:rPr lang="zh-TW" altLang="en-US" dirty="0">
+                <a:latin typeface="標楷體" panose="03000509000000000000" pitchFamily="65" charset="-120"/>
+                <a:ea typeface="標楷體" panose="03000509000000000000" pitchFamily="65" charset="-120"/>
+              </a:rPr>
+              <a:t>已完成</a:t>
+            </a:r>
             <a:endParaRPr dirty="0">
               <a:latin typeface="標楷體" panose="03000509000000000000" pitchFamily="65" charset="-120"/>
               <a:ea typeface="標楷體" panose="03000509000000000000" pitchFamily="65" charset="-120"/>
@@ -11108,6 +11139,19 @@
                 <a:ea typeface="標楷體" panose="03000509000000000000" pitchFamily="65" charset="-120"/>
               </a:rPr>
               <a:t>是否完成的分別</a:t>
+            </a:r>
+            <a:br>
+              <a:rPr lang="en-US" altLang="zh-TW" dirty="0">
+                <a:latin typeface="標楷體" panose="03000509000000000000" pitchFamily="65" charset="-120"/>
+                <a:ea typeface="標楷體" panose="03000509000000000000" pitchFamily="65" charset="-120"/>
+              </a:rPr>
+            </a:br>
+            <a:r>
+              <a:rPr lang="zh-TW" altLang="en-US" dirty="0">
+                <a:latin typeface="標楷體" panose="03000509000000000000" pitchFamily="65" charset="-120"/>
+                <a:ea typeface="標楷體" panose="03000509000000000000" pitchFamily="65" charset="-120"/>
+              </a:rPr>
+              <a:t>已完成</a:t>
             </a:r>
             <a:endParaRPr dirty="0">
               <a:latin typeface="標楷體" panose="03000509000000000000" pitchFamily="65" charset="-120"/>
